--- a/ppt 16-9/0760.我不求别的.pptx
+++ b/ppt 16-9/0760.我不求别的.pptx
@@ -129,7 +129,7 @@
           <p:cNvPr id="2" name="标题 1">
             <a:extLst>
               <a:ext uri="{FF2B5EF4-FFF2-40B4-BE49-F238E27FC236}">
-                <a16:creationId xmlns:a16="http://schemas.microsoft.com/office/drawing/2014/main" id="{C014DDFD-26C0-283B-2866-C997A4B7CCAD}"/>
+                <a16:creationId xmlns:a16="http://schemas.microsoft.com/office/drawing/2014/main" id="{BEFD582F-5459-2F91-7A23-DC8C0CD33F5E}"/>
               </a:ext>
             </a:extLst>
           </p:cNvPr>
@@ -166,7 +166,7 @@
           <p:cNvPr id="3" name="副标题 2">
             <a:extLst>
               <a:ext uri="{FF2B5EF4-FFF2-40B4-BE49-F238E27FC236}">
-                <a16:creationId xmlns:a16="http://schemas.microsoft.com/office/drawing/2014/main" id="{46316651-4E68-6FAA-018E-ED6BB174B2B8}"/>
+                <a16:creationId xmlns:a16="http://schemas.microsoft.com/office/drawing/2014/main" id="{E711E15B-BE0E-0426-4EE8-593B07B3432D}"/>
               </a:ext>
             </a:extLst>
           </p:cNvPr>
@@ -236,7 +236,7 @@
           <p:cNvPr id="4" name="日期占位符 3">
             <a:extLst>
               <a:ext uri="{FF2B5EF4-FFF2-40B4-BE49-F238E27FC236}">
-                <a16:creationId xmlns:a16="http://schemas.microsoft.com/office/drawing/2014/main" id="{BA45794B-8FE7-8FC4-9333-E74A3C9AF2EC}"/>
+                <a16:creationId xmlns:a16="http://schemas.microsoft.com/office/drawing/2014/main" id="{2F773C06-9610-1F9A-BDDE-383ADEF3F88B}"/>
               </a:ext>
             </a:extLst>
           </p:cNvPr>
@@ -252,7 +252,7 @@
           <a:bodyPr/>
           <a:lstStyle/>
           <a:p>
-            <a:fld id="{448ECCA8-8C17-4BAC-AB1B-54CFD77E582D}" type="datetimeFigureOut">
+            <a:fld id="{487DB0C4-2119-44CF-8F52-BF67E2CEE0B3}" type="datetimeFigureOut">
               <a:rPr lang="zh-CN" altLang="en-US" smtClean="0"/>
               <a:t>2024/3/10</a:t>
             </a:fld>
@@ -265,7 +265,7 @@
           <p:cNvPr id="5" name="页脚占位符 4">
             <a:extLst>
               <a:ext uri="{FF2B5EF4-FFF2-40B4-BE49-F238E27FC236}">
-                <a16:creationId xmlns:a16="http://schemas.microsoft.com/office/drawing/2014/main" id="{9D3A4BAB-7D1D-65A2-6047-AAD16AEC150D}"/>
+                <a16:creationId xmlns:a16="http://schemas.microsoft.com/office/drawing/2014/main" id="{AF491EA5-F630-46DB-2B46-0353023CDF0A}"/>
               </a:ext>
             </a:extLst>
           </p:cNvPr>
@@ -290,7 +290,7 @@
           <p:cNvPr id="6" name="灯片编号占位符 5">
             <a:extLst>
               <a:ext uri="{FF2B5EF4-FFF2-40B4-BE49-F238E27FC236}">
-                <a16:creationId xmlns:a16="http://schemas.microsoft.com/office/drawing/2014/main" id="{A1505693-D500-6B96-6D77-1D964C3AE021}"/>
+                <a16:creationId xmlns:a16="http://schemas.microsoft.com/office/drawing/2014/main" id="{0F0F137F-4E93-E5FF-7642-81B52E2E099B}"/>
               </a:ext>
             </a:extLst>
           </p:cNvPr>
@@ -306,7 +306,7 @@
           <a:bodyPr/>
           <a:lstStyle/>
           <a:p>
-            <a:fld id="{780447E3-1095-4110-A2A7-386F11B3207F}" type="slidenum">
+            <a:fld id="{3A3E4BC2-BA4D-4CA0-94E9-D43748442809}" type="slidenum">
               <a:rPr lang="zh-CN" altLang="en-US" smtClean="0"/>
               <a:t>‹#›</a:t>
             </a:fld>
@@ -317,7 +317,7 @@
     </p:spTree>
     <p:extLst>
       <p:ext uri="{BB962C8B-B14F-4D97-AF65-F5344CB8AC3E}">
-        <p14:creationId xmlns:p14="http://schemas.microsoft.com/office/powerpoint/2010/main" val="3727349436"/>
+        <p14:creationId xmlns:p14="http://schemas.microsoft.com/office/powerpoint/2010/main" val="2593232923"/>
       </p:ext>
     </p:extLst>
   </p:cSld>
@@ -349,7 +349,7 @@
           <p:cNvPr id="2" name="标题 1">
             <a:extLst>
               <a:ext uri="{FF2B5EF4-FFF2-40B4-BE49-F238E27FC236}">
-                <a16:creationId xmlns:a16="http://schemas.microsoft.com/office/drawing/2014/main" id="{619EFFEE-92F4-56A5-D8DD-4C80793DEDF3}"/>
+                <a16:creationId xmlns:a16="http://schemas.microsoft.com/office/drawing/2014/main" id="{5C8146CB-7458-EC85-D4C3-7D64007C104A}"/>
               </a:ext>
             </a:extLst>
           </p:cNvPr>
@@ -377,7 +377,7 @@
           <p:cNvPr id="3" name="竖排文字占位符 2">
             <a:extLst>
               <a:ext uri="{FF2B5EF4-FFF2-40B4-BE49-F238E27FC236}">
-                <a16:creationId xmlns:a16="http://schemas.microsoft.com/office/drawing/2014/main" id="{AFA437D4-0D26-D1F2-620B-EBBC9FFFE809}"/>
+                <a16:creationId xmlns:a16="http://schemas.microsoft.com/office/drawing/2014/main" id="{593E66CB-BE73-476E-5877-79E17021C0F9}"/>
               </a:ext>
             </a:extLst>
           </p:cNvPr>
@@ -434,7 +434,7 @@
           <p:cNvPr id="4" name="日期占位符 3">
             <a:extLst>
               <a:ext uri="{FF2B5EF4-FFF2-40B4-BE49-F238E27FC236}">
-                <a16:creationId xmlns:a16="http://schemas.microsoft.com/office/drawing/2014/main" id="{2B6E6C66-A62B-CEDF-B971-F226D538E1C6}"/>
+                <a16:creationId xmlns:a16="http://schemas.microsoft.com/office/drawing/2014/main" id="{25BEDA64-60E3-9CDD-0A25-C4588292BEB8}"/>
               </a:ext>
             </a:extLst>
           </p:cNvPr>
@@ -450,7 +450,7 @@
           <a:bodyPr/>
           <a:lstStyle/>
           <a:p>
-            <a:fld id="{448ECCA8-8C17-4BAC-AB1B-54CFD77E582D}" type="datetimeFigureOut">
+            <a:fld id="{487DB0C4-2119-44CF-8F52-BF67E2CEE0B3}" type="datetimeFigureOut">
               <a:rPr lang="zh-CN" altLang="en-US" smtClean="0"/>
               <a:t>2024/3/10</a:t>
             </a:fld>
@@ -463,7 +463,7 @@
           <p:cNvPr id="5" name="页脚占位符 4">
             <a:extLst>
               <a:ext uri="{FF2B5EF4-FFF2-40B4-BE49-F238E27FC236}">
-                <a16:creationId xmlns:a16="http://schemas.microsoft.com/office/drawing/2014/main" id="{545C2353-6875-97F7-A7C1-1B6C6C301479}"/>
+                <a16:creationId xmlns:a16="http://schemas.microsoft.com/office/drawing/2014/main" id="{8AA8BA85-0F30-29CB-E72A-40A1731F6632}"/>
               </a:ext>
             </a:extLst>
           </p:cNvPr>
@@ -488,7 +488,7 @@
           <p:cNvPr id="6" name="灯片编号占位符 5">
             <a:extLst>
               <a:ext uri="{FF2B5EF4-FFF2-40B4-BE49-F238E27FC236}">
-                <a16:creationId xmlns:a16="http://schemas.microsoft.com/office/drawing/2014/main" id="{9B037BFC-20A1-D3F8-3A54-B60816E740CB}"/>
+                <a16:creationId xmlns:a16="http://schemas.microsoft.com/office/drawing/2014/main" id="{E2C71D18-6ACB-2AD2-4515-7AECD3A6A253}"/>
               </a:ext>
             </a:extLst>
           </p:cNvPr>
@@ -504,7 +504,7 @@
           <a:bodyPr/>
           <a:lstStyle/>
           <a:p>
-            <a:fld id="{780447E3-1095-4110-A2A7-386F11B3207F}" type="slidenum">
+            <a:fld id="{3A3E4BC2-BA4D-4CA0-94E9-D43748442809}" type="slidenum">
               <a:rPr lang="zh-CN" altLang="en-US" smtClean="0"/>
               <a:t>‹#›</a:t>
             </a:fld>
@@ -515,7 +515,7 @@
     </p:spTree>
     <p:extLst>
       <p:ext uri="{BB962C8B-B14F-4D97-AF65-F5344CB8AC3E}">
-        <p14:creationId xmlns:p14="http://schemas.microsoft.com/office/powerpoint/2010/main" val="3283517689"/>
+        <p14:creationId xmlns:p14="http://schemas.microsoft.com/office/powerpoint/2010/main" val="4115764868"/>
       </p:ext>
     </p:extLst>
   </p:cSld>
@@ -547,7 +547,7 @@
           <p:cNvPr id="2" name="竖排标题 1">
             <a:extLst>
               <a:ext uri="{FF2B5EF4-FFF2-40B4-BE49-F238E27FC236}">
-                <a16:creationId xmlns:a16="http://schemas.microsoft.com/office/drawing/2014/main" id="{AA5FB109-E50F-5334-8B85-AEBB4A717DC9}"/>
+                <a16:creationId xmlns:a16="http://schemas.microsoft.com/office/drawing/2014/main" id="{A8859EA6-854D-3CA9-430B-7FC66AF41CB0}"/>
               </a:ext>
             </a:extLst>
           </p:cNvPr>
@@ -580,7 +580,7 @@
           <p:cNvPr id="3" name="竖排文字占位符 2">
             <a:extLst>
               <a:ext uri="{FF2B5EF4-FFF2-40B4-BE49-F238E27FC236}">
-                <a16:creationId xmlns:a16="http://schemas.microsoft.com/office/drawing/2014/main" id="{F2D1049E-07C1-C087-0D72-CD67E836DD45}"/>
+                <a16:creationId xmlns:a16="http://schemas.microsoft.com/office/drawing/2014/main" id="{A1A94F02-9D5F-0AF0-A0D3-B40485AC5E9C}"/>
               </a:ext>
             </a:extLst>
           </p:cNvPr>
@@ -642,7 +642,7 @@
           <p:cNvPr id="4" name="日期占位符 3">
             <a:extLst>
               <a:ext uri="{FF2B5EF4-FFF2-40B4-BE49-F238E27FC236}">
-                <a16:creationId xmlns:a16="http://schemas.microsoft.com/office/drawing/2014/main" id="{D1307444-D37E-6A5A-6313-C04EBF6AE43F}"/>
+                <a16:creationId xmlns:a16="http://schemas.microsoft.com/office/drawing/2014/main" id="{68FC5EE8-8C0E-2F36-1601-D0AA8EF92A07}"/>
               </a:ext>
             </a:extLst>
           </p:cNvPr>
@@ -658,7 +658,7 @@
           <a:bodyPr/>
           <a:lstStyle/>
           <a:p>
-            <a:fld id="{448ECCA8-8C17-4BAC-AB1B-54CFD77E582D}" type="datetimeFigureOut">
+            <a:fld id="{487DB0C4-2119-44CF-8F52-BF67E2CEE0B3}" type="datetimeFigureOut">
               <a:rPr lang="zh-CN" altLang="en-US" smtClean="0"/>
               <a:t>2024/3/10</a:t>
             </a:fld>
@@ -671,7 +671,7 @@
           <p:cNvPr id="5" name="页脚占位符 4">
             <a:extLst>
               <a:ext uri="{FF2B5EF4-FFF2-40B4-BE49-F238E27FC236}">
-                <a16:creationId xmlns:a16="http://schemas.microsoft.com/office/drawing/2014/main" id="{A0333F11-9F74-CC5C-02F7-DD969DB2E6BE}"/>
+                <a16:creationId xmlns:a16="http://schemas.microsoft.com/office/drawing/2014/main" id="{0675B93C-0871-9E72-8F97-07F106C43BB1}"/>
               </a:ext>
             </a:extLst>
           </p:cNvPr>
@@ -696,7 +696,7 @@
           <p:cNvPr id="6" name="灯片编号占位符 5">
             <a:extLst>
               <a:ext uri="{FF2B5EF4-FFF2-40B4-BE49-F238E27FC236}">
-                <a16:creationId xmlns:a16="http://schemas.microsoft.com/office/drawing/2014/main" id="{9FC83DA7-27ED-7CF1-0AA2-177A161891D6}"/>
+                <a16:creationId xmlns:a16="http://schemas.microsoft.com/office/drawing/2014/main" id="{E69387DA-BF65-FCC7-D277-814E6D93A127}"/>
               </a:ext>
             </a:extLst>
           </p:cNvPr>
@@ -712,7 +712,7 @@
           <a:bodyPr/>
           <a:lstStyle/>
           <a:p>
-            <a:fld id="{780447E3-1095-4110-A2A7-386F11B3207F}" type="slidenum">
+            <a:fld id="{3A3E4BC2-BA4D-4CA0-94E9-D43748442809}" type="slidenum">
               <a:rPr lang="zh-CN" altLang="en-US" smtClean="0"/>
               <a:t>‹#›</a:t>
             </a:fld>
@@ -723,7 +723,7 @@
     </p:spTree>
     <p:extLst>
       <p:ext uri="{BB962C8B-B14F-4D97-AF65-F5344CB8AC3E}">
-        <p14:creationId xmlns:p14="http://schemas.microsoft.com/office/powerpoint/2010/main" val="3398985399"/>
+        <p14:creationId xmlns:p14="http://schemas.microsoft.com/office/powerpoint/2010/main" val="1982401914"/>
       </p:ext>
     </p:extLst>
   </p:cSld>
@@ -755,7 +755,7 @@
           <p:cNvPr id="2" name="标题 1">
             <a:extLst>
               <a:ext uri="{FF2B5EF4-FFF2-40B4-BE49-F238E27FC236}">
-                <a16:creationId xmlns:a16="http://schemas.microsoft.com/office/drawing/2014/main" id="{11923C6D-4317-B1B9-F2D8-F37AEFC9FB85}"/>
+                <a16:creationId xmlns:a16="http://schemas.microsoft.com/office/drawing/2014/main" id="{D113981C-529A-ACE0-0977-8334FB74FD24}"/>
               </a:ext>
             </a:extLst>
           </p:cNvPr>
@@ -783,7 +783,7 @@
           <p:cNvPr id="3" name="内容占位符 2">
             <a:extLst>
               <a:ext uri="{FF2B5EF4-FFF2-40B4-BE49-F238E27FC236}">
-                <a16:creationId xmlns:a16="http://schemas.microsoft.com/office/drawing/2014/main" id="{C9760859-B945-D43D-4ABB-A699609D5C08}"/>
+                <a16:creationId xmlns:a16="http://schemas.microsoft.com/office/drawing/2014/main" id="{FE033DC9-D121-4698-CFA0-618925D5CD4E}"/>
               </a:ext>
             </a:extLst>
           </p:cNvPr>
@@ -840,7 +840,7 @@
           <p:cNvPr id="4" name="日期占位符 3">
             <a:extLst>
               <a:ext uri="{FF2B5EF4-FFF2-40B4-BE49-F238E27FC236}">
-                <a16:creationId xmlns:a16="http://schemas.microsoft.com/office/drawing/2014/main" id="{8BA1EAAD-6542-3F8B-78D7-897078556650}"/>
+                <a16:creationId xmlns:a16="http://schemas.microsoft.com/office/drawing/2014/main" id="{A86EC237-37A4-C6FB-41A2-5773F8755996}"/>
               </a:ext>
             </a:extLst>
           </p:cNvPr>
@@ -856,7 +856,7 @@
           <a:bodyPr/>
           <a:lstStyle/>
           <a:p>
-            <a:fld id="{448ECCA8-8C17-4BAC-AB1B-54CFD77E582D}" type="datetimeFigureOut">
+            <a:fld id="{487DB0C4-2119-44CF-8F52-BF67E2CEE0B3}" type="datetimeFigureOut">
               <a:rPr lang="zh-CN" altLang="en-US" smtClean="0"/>
               <a:t>2024/3/10</a:t>
             </a:fld>
@@ -869,7 +869,7 @@
           <p:cNvPr id="5" name="页脚占位符 4">
             <a:extLst>
               <a:ext uri="{FF2B5EF4-FFF2-40B4-BE49-F238E27FC236}">
-                <a16:creationId xmlns:a16="http://schemas.microsoft.com/office/drawing/2014/main" id="{6991E284-4EF7-D03E-5D8B-718D70E7C194}"/>
+                <a16:creationId xmlns:a16="http://schemas.microsoft.com/office/drawing/2014/main" id="{D089A573-0897-D1FA-5FF7-AED1BF0EFE83}"/>
               </a:ext>
             </a:extLst>
           </p:cNvPr>
@@ -894,7 +894,7 @@
           <p:cNvPr id="6" name="灯片编号占位符 5">
             <a:extLst>
               <a:ext uri="{FF2B5EF4-FFF2-40B4-BE49-F238E27FC236}">
-                <a16:creationId xmlns:a16="http://schemas.microsoft.com/office/drawing/2014/main" id="{89A19348-6C87-0D9A-79D7-0A47670CFB94}"/>
+                <a16:creationId xmlns:a16="http://schemas.microsoft.com/office/drawing/2014/main" id="{1775F51F-A1B9-BB53-7AC9-97602A1D71FC}"/>
               </a:ext>
             </a:extLst>
           </p:cNvPr>
@@ -910,7 +910,7 @@
           <a:bodyPr/>
           <a:lstStyle/>
           <a:p>
-            <a:fld id="{780447E3-1095-4110-A2A7-386F11B3207F}" type="slidenum">
+            <a:fld id="{3A3E4BC2-BA4D-4CA0-94E9-D43748442809}" type="slidenum">
               <a:rPr lang="zh-CN" altLang="en-US" smtClean="0"/>
               <a:t>‹#›</a:t>
             </a:fld>
@@ -921,7 +921,7 @@
     </p:spTree>
     <p:extLst>
       <p:ext uri="{BB962C8B-B14F-4D97-AF65-F5344CB8AC3E}">
-        <p14:creationId xmlns:p14="http://schemas.microsoft.com/office/powerpoint/2010/main" val="1486402165"/>
+        <p14:creationId xmlns:p14="http://schemas.microsoft.com/office/powerpoint/2010/main" val="4117997939"/>
       </p:ext>
     </p:extLst>
   </p:cSld>
@@ -953,7 +953,7 @@
           <p:cNvPr id="2" name="标题 1">
             <a:extLst>
               <a:ext uri="{FF2B5EF4-FFF2-40B4-BE49-F238E27FC236}">
-                <a16:creationId xmlns:a16="http://schemas.microsoft.com/office/drawing/2014/main" id="{8C3007A0-1CB9-9ABC-C486-391B740A9457}"/>
+                <a16:creationId xmlns:a16="http://schemas.microsoft.com/office/drawing/2014/main" id="{40E3C25D-C98C-98DE-E794-F72E22627200}"/>
               </a:ext>
             </a:extLst>
           </p:cNvPr>
@@ -990,7 +990,7 @@
           <p:cNvPr id="3" name="文本占位符 2">
             <a:extLst>
               <a:ext uri="{FF2B5EF4-FFF2-40B4-BE49-F238E27FC236}">
-                <a16:creationId xmlns:a16="http://schemas.microsoft.com/office/drawing/2014/main" id="{E721D53A-104F-0D9C-B594-F237DE41A872}"/>
+                <a16:creationId xmlns:a16="http://schemas.microsoft.com/office/drawing/2014/main" id="{F91B03F8-0546-781B-3D42-4B30D594CAFD}"/>
               </a:ext>
             </a:extLst>
           </p:cNvPr>
@@ -1115,7 +1115,7 @@
           <p:cNvPr id="4" name="日期占位符 3">
             <a:extLst>
               <a:ext uri="{FF2B5EF4-FFF2-40B4-BE49-F238E27FC236}">
-                <a16:creationId xmlns:a16="http://schemas.microsoft.com/office/drawing/2014/main" id="{44B509A9-C33B-8671-C1C9-DD6C3D588D36}"/>
+                <a16:creationId xmlns:a16="http://schemas.microsoft.com/office/drawing/2014/main" id="{9D319378-7697-F22F-166E-AF3633F5DE7C}"/>
               </a:ext>
             </a:extLst>
           </p:cNvPr>
@@ -1131,7 +1131,7 @@
           <a:bodyPr/>
           <a:lstStyle/>
           <a:p>
-            <a:fld id="{448ECCA8-8C17-4BAC-AB1B-54CFD77E582D}" type="datetimeFigureOut">
+            <a:fld id="{487DB0C4-2119-44CF-8F52-BF67E2CEE0B3}" type="datetimeFigureOut">
               <a:rPr lang="zh-CN" altLang="en-US" smtClean="0"/>
               <a:t>2024/3/10</a:t>
             </a:fld>
@@ -1144,7 +1144,7 @@
           <p:cNvPr id="5" name="页脚占位符 4">
             <a:extLst>
               <a:ext uri="{FF2B5EF4-FFF2-40B4-BE49-F238E27FC236}">
-                <a16:creationId xmlns:a16="http://schemas.microsoft.com/office/drawing/2014/main" id="{5750C078-6ED3-6EDC-C40F-6FD5EC896E0A}"/>
+                <a16:creationId xmlns:a16="http://schemas.microsoft.com/office/drawing/2014/main" id="{235D8F87-C53D-6088-B3D5-F7491331F3D9}"/>
               </a:ext>
             </a:extLst>
           </p:cNvPr>
@@ -1169,7 +1169,7 @@
           <p:cNvPr id="6" name="灯片编号占位符 5">
             <a:extLst>
               <a:ext uri="{FF2B5EF4-FFF2-40B4-BE49-F238E27FC236}">
-                <a16:creationId xmlns:a16="http://schemas.microsoft.com/office/drawing/2014/main" id="{64577F9D-2808-7849-92EA-741569134BF5}"/>
+                <a16:creationId xmlns:a16="http://schemas.microsoft.com/office/drawing/2014/main" id="{47D6EAD4-8405-2B84-4DAC-63EB23E951F9}"/>
               </a:ext>
             </a:extLst>
           </p:cNvPr>
@@ -1185,7 +1185,7 @@
           <a:bodyPr/>
           <a:lstStyle/>
           <a:p>
-            <a:fld id="{780447E3-1095-4110-A2A7-386F11B3207F}" type="slidenum">
+            <a:fld id="{3A3E4BC2-BA4D-4CA0-94E9-D43748442809}" type="slidenum">
               <a:rPr lang="zh-CN" altLang="en-US" smtClean="0"/>
               <a:t>‹#›</a:t>
             </a:fld>
@@ -1196,7 +1196,7 @@
     </p:spTree>
     <p:extLst>
       <p:ext uri="{BB962C8B-B14F-4D97-AF65-F5344CB8AC3E}">
-        <p14:creationId xmlns:p14="http://schemas.microsoft.com/office/powerpoint/2010/main" val="3736963035"/>
+        <p14:creationId xmlns:p14="http://schemas.microsoft.com/office/powerpoint/2010/main" val="2795683863"/>
       </p:ext>
     </p:extLst>
   </p:cSld>
@@ -1228,7 +1228,7 @@
           <p:cNvPr id="2" name="标题 1">
             <a:extLst>
               <a:ext uri="{FF2B5EF4-FFF2-40B4-BE49-F238E27FC236}">
-                <a16:creationId xmlns:a16="http://schemas.microsoft.com/office/drawing/2014/main" id="{7F6603B6-CF5C-6587-CCB8-1CF7798C243C}"/>
+                <a16:creationId xmlns:a16="http://schemas.microsoft.com/office/drawing/2014/main" id="{AF547B4B-1D01-42E4-983E-90565EB319C6}"/>
               </a:ext>
             </a:extLst>
           </p:cNvPr>
@@ -1256,7 +1256,7 @@
           <p:cNvPr id="3" name="内容占位符 2">
             <a:extLst>
               <a:ext uri="{FF2B5EF4-FFF2-40B4-BE49-F238E27FC236}">
-                <a16:creationId xmlns:a16="http://schemas.microsoft.com/office/drawing/2014/main" id="{9AB26EC1-9217-D192-5DCC-D79DBCFB30FA}"/>
+                <a16:creationId xmlns:a16="http://schemas.microsoft.com/office/drawing/2014/main" id="{E48152D4-E63C-757A-E72B-773E77BA0758}"/>
               </a:ext>
             </a:extLst>
           </p:cNvPr>
@@ -1318,7 +1318,7 @@
           <p:cNvPr id="4" name="内容占位符 3">
             <a:extLst>
               <a:ext uri="{FF2B5EF4-FFF2-40B4-BE49-F238E27FC236}">
-                <a16:creationId xmlns:a16="http://schemas.microsoft.com/office/drawing/2014/main" id="{D0B518FF-0E86-26FF-EDC9-8606B4EA907C}"/>
+                <a16:creationId xmlns:a16="http://schemas.microsoft.com/office/drawing/2014/main" id="{35C97415-A2AA-FC38-2C00-C4326866DBF3}"/>
               </a:ext>
             </a:extLst>
           </p:cNvPr>
@@ -1380,7 +1380,7 @@
           <p:cNvPr id="5" name="日期占位符 4">
             <a:extLst>
               <a:ext uri="{FF2B5EF4-FFF2-40B4-BE49-F238E27FC236}">
-                <a16:creationId xmlns:a16="http://schemas.microsoft.com/office/drawing/2014/main" id="{5FC3CF3E-F44F-FE63-C1CC-6865F1D7F961}"/>
+                <a16:creationId xmlns:a16="http://schemas.microsoft.com/office/drawing/2014/main" id="{B5C21AFB-E790-214E-6A8B-81167A3950A6}"/>
               </a:ext>
             </a:extLst>
           </p:cNvPr>
@@ -1396,7 +1396,7 @@
           <a:bodyPr/>
           <a:lstStyle/>
           <a:p>
-            <a:fld id="{448ECCA8-8C17-4BAC-AB1B-54CFD77E582D}" type="datetimeFigureOut">
+            <a:fld id="{487DB0C4-2119-44CF-8F52-BF67E2CEE0B3}" type="datetimeFigureOut">
               <a:rPr lang="zh-CN" altLang="en-US" smtClean="0"/>
               <a:t>2024/3/10</a:t>
             </a:fld>
@@ -1409,7 +1409,7 @@
           <p:cNvPr id="6" name="页脚占位符 5">
             <a:extLst>
               <a:ext uri="{FF2B5EF4-FFF2-40B4-BE49-F238E27FC236}">
-                <a16:creationId xmlns:a16="http://schemas.microsoft.com/office/drawing/2014/main" id="{C8F18835-B3E9-C405-0DFE-435054FA18E4}"/>
+                <a16:creationId xmlns:a16="http://schemas.microsoft.com/office/drawing/2014/main" id="{6D8E8C55-B571-8FCA-ABA6-41650C4B411F}"/>
               </a:ext>
             </a:extLst>
           </p:cNvPr>
@@ -1434,7 +1434,7 @@
           <p:cNvPr id="7" name="灯片编号占位符 6">
             <a:extLst>
               <a:ext uri="{FF2B5EF4-FFF2-40B4-BE49-F238E27FC236}">
-                <a16:creationId xmlns:a16="http://schemas.microsoft.com/office/drawing/2014/main" id="{462B3928-5670-FC98-0D2A-F13BDF8044EF}"/>
+                <a16:creationId xmlns:a16="http://schemas.microsoft.com/office/drawing/2014/main" id="{84CF2507-A9A7-2923-608F-3F72CF04B86C}"/>
               </a:ext>
             </a:extLst>
           </p:cNvPr>
@@ -1450,7 +1450,7 @@
           <a:bodyPr/>
           <a:lstStyle/>
           <a:p>
-            <a:fld id="{780447E3-1095-4110-A2A7-386F11B3207F}" type="slidenum">
+            <a:fld id="{3A3E4BC2-BA4D-4CA0-94E9-D43748442809}" type="slidenum">
               <a:rPr lang="zh-CN" altLang="en-US" smtClean="0"/>
               <a:t>‹#›</a:t>
             </a:fld>
@@ -1461,7 +1461,7 @@
     </p:spTree>
     <p:extLst>
       <p:ext uri="{BB962C8B-B14F-4D97-AF65-F5344CB8AC3E}">
-        <p14:creationId xmlns:p14="http://schemas.microsoft.com/office/powerpoint/2010/main" val="3105924986"/>
+        <p14:creationId xmlns:p14="http://schemas.microsoft.com/office/powerpoint/2010/main" val="979655478"/>
       </p:ext>
     </p:extLst>
   </p:cSld>
@@ -1493,7 +1493,7 @@
           <p:cNvPr id="2" name="标题 1">
             <a:extLst>
               <a:ext uri="{FF2B5EF4-FFF2-40B4-BE49-F238E27FC236}">
-                <a16:creationId xmlns:a16="http://schemas.microsoft.com/office/drawing/2014/main" id="{7446831D-F5A0-3F29-DE4E-009627226B53}"/>
+                <a16:creationId xmlns:a16="http://schemas.microsoft.com/office/drawing/2014/main" id="{78182F26-EE51-A90B-B4BB-568F9172E5D7}"/>
               </a:ext>
             </a:extLst>
           </p:cNvPr>
@@ -1526,7 +1526,7 @@
           <p:cNvPr id="3" name="文本占位符 2">
             <a:extLst>
               <a:ext uri="{FF2B5EF4-FFF2-40B4-BE49-F238E27FC236}">
-                <a16:creationId xmlns:a16="http://schemas.microsoft.com/office/drawing/2014/main" id="{758A91FF-F2D5-BD43-28F3-9981B0DBB145}"/>
+                <a16:creationId xmlns:a16="http://schemas.microsoft.com/office/drawing/2014/main" id="{413B2C35-114B-578B-0841-5E7D5DBC59C7}"/>
               </a:ext>
             </a:extLst>
           </p:cNvPr>
@@ -1597,7 +1597,7 @@
           <p:cNvPr id="4" name="内容占位符 3">
             <a:extLst>
               <a:ext uri="{FF2B5EF4-FFF2-40B4-BE49-F238E27FC236}">
-                <a16:creationId xmlns:a16="http://schemas.microsoft.com/office/drawing/2014/main" id="{5F6519F3-81EB-513C-FC2B-527E46142051}"/>
+                <a16:creationId xmlns:a16="http://schemas.microsoft.com/office/drawing/2014/main" id="{35BB5241-CA89-53A6-6A9A-38EE8401C01E}"/>
               </a:ext>
             </a:extLst>
           </p:cNvPr>
@@ -1659,7 +1659,7 @@
           <p:cNvPr id="5" name="文本占位符 4">
             <a:extLst>
               <a:ext uri="{FF2B5EF4-FFF2-40B4-BE49-F238E27FC236}">
-                <a16:creationId xmlns:a16="http://schemas.microsoft.com/office/drawing/2014/main" id="{F4DDFA38-47AB-D082-13AB-8D22247D5AFD}"/>
+                <a16:creationId xmlns:a16="http://schemas.microsoft.com/office/drawing/2014/main" id="{9218A807-59DC-2700-3F67-F78AC7C7F180}"/>
               </a:ext>
             </a:extLst>
           </p:cNvPr>
@@ -1730,7 +1730,7 @@
           <p:cNvPr id="6" name="内容占位符 5">
             <a:extLst>
               <a:ext uri="{FF2B5EF4-FFF2-40B4-BE49-F238E27FC236}">
-                <a16:creationId xmlns:a16="http://schemas.microsoft.com/office/drawing/2014/main" id="{56B1D4CF-8773-41A7-F6EB-9401291520A1}"/>
+                <a16:creationId xmlns:a16="http://schemas.microsoft.com/office/drawing/2014/main" id="{662B02DC-1E7E-7870-9C06-9230FE0C0A17}"/>
               </a:ext>
             </a:extLst>
           </p:cNvPr>
@@ -1792,7 +1792,7 @@
           <p:cNvPr id="7" name="日期占位符 6">
             <a:extLst>
               <a:ext uri="{FF2B5EF4-FFF2-40B4-BE49-F238E27FC236}">
-                <a16:creationId xmlns:a16="http://schemas.microsoft.com/office/drawing/2014/main" id="{80850FAE-7B98-2835-2FDA-7B9FBC7D2E7F}"/>
+                <a16:creationId xmlns:a16="http://schemas.microsoft.com/office/drawing/2014/main" id="{91B3764F-86E4-5662-5FE4-9D10DB538618}"/>
               </a:ext>
             </a:extLst>
           </p:cNvPr>
@@ -1808,7 +1808,7 @@
           <a:bodyPr/>
           <a:lstStyle/>
           <a:p>
-            <a:fld id="{448ECCA8-8C17-4BAC-AB1B-54CFD77E582D}" type="datetimeFigureOut">
+            <a:fld id="{487DB0C4-2119-44CF-8F52-BF67E2CEE0B3}" type="datetimeFigureOut">
               <a:rPr lang="zh-CN" altLang="en-US" smtClean="0"/>
               <a:t>2024/3/10</a:t>
             </a:fld>
@@ -1821,7 +1821,7 @@
           <p:cNvPr id="8" name="页脚占位符 7">
             <a:extLst>
               <a:ext uri="{FF2B5EF4-FFF2-40B4-BE49-F238E27FC236}">
-                <a16:creationId xmlns:a16="http://schemas.microsoft.com/office/drawing/2014/main" id="{8935B619-5262-079A-4995-B409A14D934D}"/>
+                <a16:creationId xmlns:a16="http://schemas.microsoft.com/office/drawing/2014/main" id="{A91471C1-15AF-9362-2860-490638003F64}"/>
               </a:ext>
             </a:extLst>
           </p:cNvPr>
@@ -1846,7 +1846,7 @@
           <p:cNvPr id="9" name="灯片编号占位符 8">
             <a:extLst>
               <a:ext uri="{FF2B5EF4-FFF2-40B4-BE49-F238E27FC236}">
-                <a16:creationId xmlns:a16="http://schemas.microsoft.com/office/drawing/2014/main" id="{50823585-18DC-2179-F9CB-E063884C397E}"/>
+                <a16:creationId xmlns:a16="http://schemas.microsoft.com/office/drawing/2014/main" id="{D0DDD634-E6ED-A2EB-9E32-189B77D76433}"/>
               </a:ext>
             </a:extLst>
           </p:cNvPr>
@@ -1862,7 +1862,7 @@
           <a:bodyPr/>
           <a:lstStyle/>
           <a:p>
-            <a:fld id="{780447E3-1095-4110-A2A7-386F11B3207F}" type="slidenum">
+            <a:fld id="{3A3E4BC2-BA4D-4CA0-94E9-D43748442809}" type="slidenum">
               <a:rPr lang="zh-CN" altLang="en-US" smtClean="0"/>
               <a:t>‹#›</a:t>
             </a:fld>
@@ -1873,7 +1873,7 @@
     </p:spTree>
     <p:extLst>
       <p:ext uri="{BB962C8B-B14F-4D97-AF65-F5344CB8AC3E}">
-        <p14:creationId xmlns:p14="http://schemas.microsoft.com/office/powerpoint/2010/main" val="2475083855"/>
+        <p14:creationId xmlns:p14="http://schemas.microsoft.com/office/powerpoint/2010/main" val="1760285580"/>
       </p:ext>
     </p:extLst>
   </p:cSld>
@@ -1905,7 +1905,7 @@
           <p:cNvPr id="2" name="标题 1">
             <a:extLst>
               <a:ext uri="{FF2B5EF4-FFF2-40B4-BE49-F238E27FC236}">
-                <a16:creationId xmlns:a16="http://schemas.microsoft.com/office/drawing/2014/main" id="{87633D3C-A47B-7907-0E6C-50FC6AA3AFAA}"/>
+                <a16:creationId xmlns:a16="http://schemas.microsoft.com/office/drawing/2014/main" id="{66243917-DD59-BCA3-C121-BB35989E1D4F}"/>
               </a:ext>
             </a:extLst>
           </p:cNvPr>
@@ -1933,7 +1933,7 @@
           <p:cNvPr id="3" name="日期占位符 2">
             <a:extLst>
               <a:ext uri="{FF2B5EF4-FFF2-40B4-BE49-F238E27FC236}">
-                <a16:creationId xmlns:a16="http://schemas.microsoft.com/office/drawing/2014/main" id="{55A348A0-F11C-3182-84F4-262B28151231}"/>
+                <a16:creationId xmlns:a16="http://schemas.microsoft.com/office/drawing/2014/main" id="{AD294355-CCCC-DB69-4765-2EDEF5058BFB}"/>
               </a:ext>
             </a:extLst>
           </p:cNvPr>
@@ -1949,7 +1949,7 @@
           <a:bodyPr/>
           <a:lstStyle/>
           <a:p>
-            <a:fld id="{448ECCA8-8C17-4BAC-AB1B-54CFD77E582D}" type="datetimeFigureOut">
+            <a:fld id="{487DB0C4-2119-44CF-8F52-BF67E2CEE0B3}" type="datetimeFigureOut">
               <a:rPr lang="zh-CN" altLang="en-US" smtClean="0"/>
               <a:t>2024/3/10</a:t>
             </a:fld>
@@ -1962,7 +1962,7 @@
           <p:cNvPr id="4" name="页脚占位符 3">
             <a:extLst>
               <a:ext uri="{FF2B5EF4-FFF2-40B4-BE49-F238E27FC236}">
-                <a16:creationId xmlns:a16="http://schemas.microsoft.com/office/drawing/2014/main" id="{4F1184DA-0236-ACB8-0DAA-B13DB7EDB8C8}"/>
+                <a16:creationId xmlns:a16="http://schemas.microsoft.com/office/drawing/2014/main" id="{6171051B-EC2F-2BEC-6F2E-5AC3E9806B3F}"/>
               </a:ext>
             </a:extLst>
           </p:cNvPr>
@@ -1987,7 +1987,7 @@
           <p:cNvPr id="5" name="灯片编号占位符 4">
             <a:extLst>
               <a:ext uri="{FF2B5EF4-FFF2-40B4-BE49-F238E27FC236}">
-                <a16:creationId xmlns:a16="http://schemas.microsoft.com/office/drawing/2014/main" id="{5D1D2975-F4F0-D2E4-D6FD-72F7173E6902}"/>
+                <a16:creationId xmlns:a16="http://schemas.microsoft.com/office/drawing/2014/main" id="{DAA66326-6513-730F-BC60-104228D254FB}"/>
               </a:ext>
             </a:extLst>
           </p:cNvPr>
@@ -2003,7 +2003,7 @@
           <a:bodyPr/>
           <a:lstStyle/>
           <a:p>
-            <a:fld id="{780447E3-1095-4110-A2A7-386F11B3207F}" type="slidenum">
+            <a:fld id="{3A3E4BC2-BA4D-4CA0-94E9-D43748442809}" type="slidenum">
               <a:rPr lang="zh-CN" altLang="en-US" smtClean="0"/>
               <a:t>‹#›</a:t>
             </a:fld>
@@ -2014,7 +2014,7 @@
     </p:spTree>
     <p:extLst>
       <p:ext uri="{BB962C8B-B14F-4D97-AF65-F5344CB8AC3E}">
-        <p14:creationId xmlns:p14="http://schemas.microsoft.com/office/powerpoint/2010/main" val="3904847404"/>
+        <p14:creationId xmlns:p14="http://schemas.microsoft.com/office/powerpoint/2010/main" val="2561303085"/>
       </p:ext>
     </p:extLst>
   </p:cSld>
@@ -2046,7 +2046,7 @@
           <p:cNvPr id="2" name="日期占位符 1">
             <a:extLst>
               <a:ext uri="{FF2B5EF4-FFF2-40B4-BE49-F238E27FC236}">
-                <a16:creationId xmlns:a16="http://schemas.microsoft.com/office/drawing/2014/main" id="{3030FF05-55F7-74CB-EE0C-250FCD28218F}"/>
+                <a16:creationId xmlns:a16="http://schemas.microsoft.com/office/drawing/2014/main" id="{BD71CC80-2218-FCF0-2164-B59730F7B676}"/>
               </a:ext>
             </a:extLst>
           </p:cNvPr>
@@ -2062,7 +2062,7 @@
           <a:bodyPr/>
           <a:lstStyle/>
           <a:p>
-            <a:fld id="{448ECCA8-8C17-4BAC-AB1B-54CFD77E582D}" type="datetimeFigureOut">
+            <a:fld id="{487DB0C4-2119-44CF-8F52-BF67E2CEE0B3}" type="datetimeFigureOut">
               <a:rPr lang="zh-CN" altLang="en-US" smtClean="0"/>
               <a:t>2024/3/10</a:t>
             </a:fld>
@@ -2075,7 +2075,7 @@
           <p:cNvPr id="3" name="页脚占位符 2">
             <a:extLst>
               <a:ext uri="{FF2B5EF4-FFF2-40B4-BE49-F238E27FC236}">
-                <a16:creationId xmlns:a16="http://schemas.microsoft.com/office/drawing/2014/main" id="{7787CC24-8F70-9322-5D90-8F5753D1CC92}"/>
+                <a16:creationId xmlns:a16="http://schemas.microsoft.com/office/drawing/2014/main" id="{7E323D65-A2DC-996E-F974-1E44F995B10E}"/>
               </a:ext>
             </a:extLst>
           </p:cNvPr>
@@ -2100,7 +2100,7 @@
           <p:cNvPr id="4" name="灯片编号占位符 3">
             <a:extLst>
               <a:ext uri="{FF2B5EF4-FFF2-40B4-BE49-F238E27FC236}">
-                <a16:creationId xmlns:a16="http://schemas.microsoft.com/office/drawing/2014/main" id="{A5EBC7D4-77E8-6CA3-C1B4-6B38FFA9F587}"/>
+                <a16:creationId xmlns:a16="http://schemas.microsoft.com/office/drawing/2014/main" id="{26170729-DD1D-1895-73B9-0E1139076E02}"/>
               </a:ext>
             </a:extLst>
           </p:cNvPr>
@@ -2116,7 +2116,7 @@
           <a:bodyPr/>
           <a:lstStyle/>
           <a:p>
-            <a:fld id="{780447E3-1095-4110-A2A7-386F11B3207F}" type="slidenum">
+            <a:fld id="{3A3E4BC2-BA4D-4CA0-94E9-D43748442809}" type="slidenum">
               <a:rPr lang="zh-CN" altLang="en-US" smtClean="0"/>
               <a:t>‹#›</a:t>
             </a:fld>
@@ -2127,7 +2127,7 @@
     </p:spTree>
     <p:extLst>
       <p:ext uri="{BB962C8B-B14F-4D97-AF65-F5344CB8AC3E}">
-        <p14:creationId xmlns:p14="http://schemas.microsoft.com/office/powerpoint/2010/main" val="1680285833"/>
+        <p14:creationId xmlns:p14="http://schemas.microsoft.com/office/powerpoint/2010/main" val="1873672766"/>
       </p:ext>
     </p:extLst>
   </p:cSld>
@@ -2159,7 +2159,7 @@
           <p:cNvPr id="2" name="标题 1">
             <a:extLst>
               <a:ext uri="{FF2B5EF4-FFF2-40B4-BE49-F238E27FC236}">
-                <a16:creationId xmlns:a16="http://schemas.microsoft.com/office/drawing/2014/main" id="{93969D42-E66B-BF33-8132-E41B55E588DB}"/>
+                <a16:creationId xmlns:a16="http://schemas.microsoft.com/office/drawing/2014/main" id="{F6DE97BB-54CF-2AEA-E47D-6B6494D7D695}"/>
               </a:ext>
             </a:extLst>
           </p:cNvPr>
@@ -2196,7 +2196,7 @@
           <p:cNvPr id="3" name="内容占位符 2">
             <a:extLst>
               <a:ext uri="{FF2B5EF4-FFF2-40B4-BE49-F238E27FC236}">
-                <a16:creationId xmlns:a16="http://schemas.microsoft.com/office/drawing/2014/main" id="{2567DB55-507E-711A-E1EB-A287C780FA8F}"/>
+                <a16:creationId xmlns:a16="http://schemas.microsoft.com/office/drawing/2014/main" id="{0AD50623-1C97-90C9-2797-EA981BC5668B}"/>
               </a:ext>
             </a:extLst>
           </p:cNvPr>
@@ -2286,7 +2286,7 @@
           <p:cNvPr id="4" name="文本占位符 3">
             <a:extLst>
               <a:ext uri="{FF2B5EF4-FFF2-40B4-BE49-F238E27FC236}">
-                <a16:creationId xmlns:a16="http://schemas.microsoft.com/office/drawing/2014/main" id="{5DB1F3E5-3682-275C-62DF-2482C1FEEC13}"/>
+                <a16:creationId xmlns:a16="http://schemas.microsoft.com/office/drawing/2014/main" id="{24053574-4191-8D6D-3162-E047FA7C57D7}"/>
               </a:ext>
             </a:extLst>
           </p:cNvPr>
@@ -2357,7 +2357,7 @@
           <p:cNvPr id="5" name="日期占位符 4">
             <a:extLst>
               <a:ext uri="{FF2B5EF4-FFF2-40B4-BE49-F238E27FC236}">
-                <a16:creationId xmlns:a16="http://schemas.microsoft.com/office/drawing/2014/main" id="{0393E6B2-25AC-063E-5127-F16FAEDDC98D}"/>
+                <a16:creationId xmlns:a16="http://schemas.microsoft.com/office/drawing/2014/main" id="{A98DD1B4-9C6E-09B6-38EA-314793095CD9}"/>
               </a:ext>
             </a:extLst>
           </p:cNvPr>
@@ -2373,7 +2373,7 @@
           <a:bodyPr/>
           <a:lstStyle/>
           <a:p>
-            <a:fld id="{448ECCA8-8C17-4BAC-AB1B-54CFD77E582D}" type="datetimeFigureOut">
+            <a:fld id="{487DB0C4-2119-44CF-8F52-BF67E2CEE0B3}" type="datetimeFigureOut">
               <a:rPr lang="zh-CN" altLang="en-US" smtClean="0"/>
               <a:t>2024/3/10</a:t>
             </a:fld>
@@ -2386,7 +2386,7 @@
           <p:cNvPr id="6" name="页脚占位符 5">
             <a:extLst>
               <a:ext uri="{FF2B5EF4-FFF2-40B4-BE49-F238E27FC236}">
-                <a16:creationId xmlns:a16="http://schemas.microsoft.com/office/drawing/2014/main" id="{B77D82FB-7F91-5C24-F40E-613F9B350DCB}"/>
+                <a16:creationId xmlns:a16="http://schemas.microsoft.com/office/drawing/2014/main" id="{A7CEEB82-51AB-0C93-49C1-EB28DAE1383E}"/>
               </a:ext>
             </a:extLst>
           </p:cNvPr>
@@ -2411,7 +2411,7 @@
           <p:cNvPr id="7" name="灯片编号占位符 6">
             <a:extLst>
               <a:ext uri="{FF2B5EF4-FFF2-40B4-BE49-F238E27FC236}">
-                <a16:creationId xmlns:a16="http://schemas.microsoft.com/office/drawing/2014/main" id="{FA83F99C-388E-E558-D6EA-1F3F922D9A89}"/>
+                <a16:creationId xmlns:a16="http://schemas.microsoft.com/office/drawing/2014/main" id="{BF7BAAFD-5A5B-8786-D2B6-18E0C28E4772}"/>
               </a:ext>
             </a:extLst>
           </p:cNvPr>
@@ -2427,7 +2427,7 @@
           <a:bodyPr/>
           <a:lstStyle/>
           <a:p>
-            <a:fld id="{780447E3-1095-4110-A2A7-386F11B3207F}" type="slidenum">
+            <a:fld id="{3A3E4BC2-BA4D-4CA0-94E9-D43748442809}" type="slidenum">
               <a:rPr lang="zh-CN" altLang="en-US" smtClean="0"/>
               <a:t>‹#›</a:t>
             </a:fld>
@@ -2438,7 +2438,7 @@
     </p:spTree>
     <p:extLst>
       <p:ext uri="{BB962C8B-B14F-4D97-AF65-F5344CB8AC3E}">
-        <p14:creationId xmlns:p14="http://schemas.microsoft.com/office/powerpoint/2010/main" val="666596430"/>
+        <p14:creationId xmlns:p14="http://schemas.microsoft.com/office/powerpoint/2010/main" val="3498377862"/>
       </p:ext>
     </p:extLst>
   </p:cSld>
@@ -2470,7 +2470,7 @@
           <p:cNvPr id="2" name="标题 1">
             <a:extLst>
               <a:ext uri="{FF2B5EF4-FFF2-40B4-BE49-F238E27FC236}">
-                <a16:creationId xmlns:a16="http://schemas.microsoft.com/office/drawing/2014/main" id="{B4F18448-8313-A85B-79E6-2D0C9A41C79E}"/>
+                <a16:creationId xmlns:a16="http://schemas.microsoft.com/office/drawing/2014/main" id="{C9A9596D-4095-302C-4FA2-36E15E3B4BE6}"/>
               </a:ext>
             </a:extLst>
           </p:cNvPr>
@@ -2507,7 +2507,7 @@
           <p:cNvPr id="3" name="图片占位符 2">
             <a:extLst>
               <a:ext uri="{FF2B5EF4-FFF2-40B4-BE49-F238E27FC236}">
-                <a16:creationId xmlns:a16="http://schemas.microsoft.com/office/drawing/2014/main" id="{672A4495-DBAC-9F56-2F01-481A197EE4A1}"/>
+                <a16:creationId xmlns:a16="http://schemas.microsoft.com/office/drawing/2014/main" id="{14A68DD4-90B1-88E0-6BC3-61496605EB65}"/>
               </a:ext>
             </a:extLst>
           </p:cNvPr>
@@ -2574,7 +2574,7 @@
           <p:cNvPr id="4" name="文本占位符 3">
             <a:extLst>
               <a:ext uri="{FF2B5EF4-FFF2-40B4-BE49-F238E27FC236}">
-                <a16:creationId xmlns:a16="http://schemas.microsoft.com/office/drawing/2014/main" id="{FA1F65D3-048A-66E8-64FB-9949D3DC2B4A}"/>
+                <a16:creationId xmlns:a16="http://schemas.microsoft.com/office/drawing/2014/main" id="{C00A6350-E86D-3EEC-D38C-FC322905CCC8}"/>
               </a:ext>
             </a:extLst>
           </p:cNvPr>
@@ -2645,7 +2645,7 @@
           <p:cNvPr id="5" name="日期占位符 4">
             <a:extLst>
               <a:ext uri="{FF2B5EF4-FFF2-40B4-BE49-F238E27FC236}">
-                <a16:creationId xmlns:a16="http://schemas.microsoft.com/office/drawing/2014/main" id="{DFD4684B-2F28-B14A-B96D-8F26C65C3612}"/>
+                <a16:creationId xmlns:a16="http://schemas.microsoft.com/office/drawing/2014/main" id="{617DE0EF-88DA-C099-46DD-A4D19F291778}"/>
               </a:ext>
             </a:extLst>
           </p:cNvPr>
@@ -2661,7 +2661,7 @@
           <a:bodyPr/>
           <a:lstStyle/>
           <a:p>
-            <a:fld id="{448ECCA8-8C17-4BAC-AB1B-54CFD77E582D}" type="datetimeFigureOut">
+            <a:fld id="{487DB0C4-2119-44CF-8F52-BF67E2CEE0B3}" type="datetimeFigureOut">
               <a:rPr lang="zh-CN" altLang="en-US" smtClean="0"/>
               <a:t>2024/3/10</a:t>
             </a:fld>
@@ -2674,7 +2674,7 @@
           <p:cNvPr id="6" name="页脚占位符 5">
             <a:extLst>
               <a:ext uri="{FF2B5EF4-FFF2-40B4-BE49-F238E27FC236}">
-                <a16:creationId xmlns:a16="http://schemas.microsoft.com/office/drawing/2014/main" id="{F568CCE7-A012-B1DE-A2E0-42E78D780780}"/>
+                <a16:creationId xmlns:a16="http://schemas.microsoft.com/office/drawing/2014/main" id="{A605967F-FA0A-7022-EC4B-1BCB7982D38E}"/>
               </a:ext>
             </a:extLst>
           </p:cNvPr>
@@ -2699,7 +2699,7 @@
           <p:cNvPr id="7" name="灯片编号占位符 6">
             <a:extLst>
               <a:ext uri="{FF2B5EF4-FFF2-40B4-BE49-F238E27FC236}">
-                <a16:creationId xmlns:a16="http://schemas.microsoft.com/office/drawing/2014/main" id="{D15CD116-8BC4-B8F7-F44D-F6DC53228D61}"/>
+                <a16:creationId xmlns:a16="http://schemas.microsoft.com/office/drawing/2014/main" id="{03458312-1A73-BA92-558C-844B2DBD245D}"/>
               </a:ext>
             </a:extLst>
           </p:cNvPr>
@@ -2715,7 +2715,7 @@
           <a:bodyPr/>
           <a:lstStyle/>
           <a:p>
-            <a:fld id="{780447E3-1095-4110-A2A7-386F11B3207F}" type="slidenum">
+            <a:fld id="{3A3E4BC2-BA4D-4CA0-94E9-D43748442809}" type="slidenum">
               <a:rPr lang="zh-CN" altLang="en-US" smtClean="0"/>
               <a:t>‹#›</a:t>
             </a:fld>
@@ -2726,7 +2726,7 @@
     </p:spTree>
     <p:extLst>
       <p:ext uri="{BB962C8B-B14F-4D97-AF65-F5344CB8AC3E}">
-        <p14:creationId xmlns:p14="http://schemas.microsoft.com/office/powerpoint/2010/main" val="3290588218"/>
+        <p14:creationId xmlns:p14="http://schemas.microsoft.com/office/powerpoint/2010/main" val="422717907"/>
       </p:ext>
     </p:extLst>
   </p:cSld>
@@ -2763,7 +2763,7 @@
           <p:cNvPr id="2" name="标题占位符 1">
             <a:extLst>
               <a:ext uri="{FF2B5EF4-FFF2-40B4-BE49-F238E27FC236}">
-                <a16:creationId xmlns:a16="http://schemas.microsoft.com/office/drawing/2014/main" id="{AF7AAD3F-17A4-39F6-6E66-6A113CE5F90B}"/>
+                <a16:creationId xmlns:a16="http://schemas.microsoft.com/office/drawing/2014/main" id="{81CCFCFD-2828-13E2-7C88-73E46B114A62}"/>
               </a:ext>
             </a:extLst>
           </p:cNvPr>
@@ -2801,7 +2801,7 @@
           <p:cNvPr id="3" name="文本占位符 2">
             <a:extLst>
               <a:ext uri="{FF2B5EF4-FFF2-40B4-BE49-F238E27FC236}">
-                <a16:creationId xmlns:a16="http://schemas.microsoft.com/office/drawing/2014/main" id="{CDADA911-2B71-5976-B9ED-C19A5ADB3F9B}"/>
+                <a16:creationId xmlns:a16="http://schemas.microsoft.com/office/drawing/2014/main" id="{7FC1D4AF-834C-E30D-D150-A486DFB6DAF2}"/>
               </a:ext>
             </a:extLst>
           </p:cNvPr>
@@ -2868,7 +2868,7 @@
           <p:cNvPr id="4" name="日期占位符 3">
             <a:extLst>
               <a:ext uri="{FF2B5EF4-FFF2-40B4-BE49-F238E27FC236}">
-                <a16:creationId xmlns:a16="http://schemas.microsoft.com/office/drawing/2014/main" id="{A6E43ABD-D15A-D853-569D-99082E0B4202}"/>
+                <a16:creationId xmlns:a16="http://schemas.microsoft.com/office/drawing/2014/main" id="{94138E70-A890-C53E-EAAB-36E334C3F9EF}"/>
               </a:ext>
             </a:extLst>
           </p:cNvPr>
@@ -2902,7 +2902,7 @@
             </a:lvl1pPr>
           </a:lstStyle>
           <a:p>
-            <a:fld id="{448ECCA8-8C17-4BAC-AB1B-54CFD77E582D}" type="datetimeFigureOut">
+            <a:fld id="{487DB0C4-2119-44CF-8F52-BF67E2CEE0B3}" type="datetimeFigureOut">
               <a:rPr lang="zh-CN" altLang="en-US" smtClean="0"/>
               <a:t>2024/3/10</a:t>
             </a:fld>
@@ -2915,7 +2915,7 @@
           <p:cNvPr id="5" name="页脚占位符 4">
             <a:extLst>
               <a:ext uri="{FF2B5EF4-FFF2-40B4-BE49-F238E27FC236}">
-                <a16:creationId xmlns:a16="http://schemas.microsoft.com/office/drawing/2014/main" id="{CB9AC511-C877-8175-6D40-9EB766124B91}"/>
+                <a16:creationId xmlns:a16="http://schemas.microsoft.com/office/drawing/2014/main" id="{90A1E5AF-F43A-4F88-2D3F-02AA38316679}"/>
               </a:ext>
             </a:extLst>
           </p:cNvPr>
@@ -2958,7 +2958,7 @@
           <p:cNvPr id="6" name="灯片编号占位符 5">
             <a:extLst>
               <a:ext uri="{FF2B5EF4-FFF2-40B4-BE49-F238E27FC236}">
-                <a16:creationId xmlns:a16="http://schemas.microsoft.com/office/drawing/2014/main" id="{9528F1E9-E6F5-3F2B-A593-583A58EBA572}"/>
+                <a16:creationId xmlns:a16="http://schemas.microsoft.com/office/drawing/2014/main" id="{05958AB8-AFE6-41CD-44E7-664FF8F8BBB5}"/>
               </a:ext>
             </a:extLst>
           </p:cNvPr>
@@ -2992,7 +2992,7 @@
             </a:lvl1pPr>
           </a:lstStyle>
           <a:p>
-            <a:fld id="{780447E3-1095-4110-A2A7-386F11B3207F}" type="slidenum">
+            <a:fld id="{3A3E4BC2-BA4D-4CA0-94E9-D43748442809}" type="slidenum">
               <a:rPr lang="zh-CN" altLang="en-US" smtClean="0"/>
               <a:t>‹#›</a:t>
             </a:fld>
@@ -3003,7 +3003,7 @@
     </p:spTree>
     <p:extLst>
       <p:ext uri="{BB962C8B-B14F-4D97-AF65-F5344CB8AC3E}">
-        <p14:creationId xmlns:p14="http://schemas.microsoft.com/office/powerpoint/2010/main" val="3727623983"/>
+        <p14:creationId xmlns:p14="http://schemas.microsoft.com/office/powerpoint/2010/main" val="1554155435"/>
       </p:ext>
     </p:extLst>
   </p:cSld>
